--- a/documents/social_preview.pptx
+++ b/documents/social_preview.pptx
@@ -3049,32 +3049,49 @@
       </p:sp>
       <p:pic>
         <p:nvPicPr>
-          <p:cNvPr id="3" name="Picture 2" descr="A blue and red logo&#10;&#10;Description automatically generated">
+          <p:cNvPr id="1026" name="Picture 2">
             <a:extLst>
               <a:ext uri="{FF2B5EF4-FFF2-40B4-BE49-F238E27FC236}">
-                <a16:creationId xmlns:a16="http://schemas.microsoft.com/office/drawing/2014/main" id="{494B2910-285B-64ED-F8AC-73BFD0306F1D}"/>
+                <a16:creationId xmlns:a16="http://schemas.microsoft.com/office/drawing/2014/main" id="{12C3C7E2-A051-F1D8-3700-01543D61FD35}"/>
               </a:ext>
             </a:extLst>
           </p:cNvPr>
           <p:cNvPicPr>
-            <a:picLocks noChangeAspect="1"/>
+            <a:picLocks noChangeAspect="1" noChangeArrowheads="1"/>
           </p:cNvPicPr>
           <p:nvPr/>
         </p:nvPicPr>
         <p:blipFill>
-          <a:blip r:embed="rId2"/>
+          <a:blip r:embed="rId2">
+            <a:extLst>
+              <a:ext uri="{28A0092B-C50C-407E-A947-70E740481C1C}">
+                <a14:useLocalDpi xmlns:a14="http://schemas.microsoft.com/office/drawing/2010/main" val="0"/>
+              </a:ext>
+            </a:extLst>
+          </a:blip>
+          <a:srcRect/>
           <a:stretch>
             <a:fillRect/>
           </a:stretch>
         </p:blipFill>
-        <p:spPr>
+        <p:spPr bwMode="auto">
           <a:xfrm>
-            <a:off x="2896398" y="0"/>
-            <a:ext cx="12495204" cy="9144000"/>
+            <a:off x="4572000" y="0"/>
+            <a:ext cx="9144000" cy="9144000"/>
           </a:xfrm>
           <a:prstGeom prst="rect">
             <a:avLst/>
           </a:prstGeom>
+          <a:noFill/>
+          <a:extLst>
+            <a:ext uri="{909E8E84-426E-40DD-AFC4-6F175D3DCCD1}">
+              <a14:hiddenFill xmlns:a14="http://schemas.microsoft.com/office/drawing/2010/main">
+                <a:solidFill>
+                  <a:srgbClr val="FFFFFF"/>
+                </a:solidFill>
+              </a14:hiddenFill>
+            </a:ext>
+          </a:extLst>
         </p:spPr>
       </p:pic>
     </p:spTree>
